--- a/reports/workflow_explanation.pptx
+++ b/reports/workflow_explanation.pptx
@@ -6939,10 +6939,10 @@
           <a:lstStyle/>
           <a:p>
             <a:r>
-              <a:rPr lang="en-US" sz="3600"/>
+              <a:rPr lang="en-US" sz="3600" dirty="0"/>
               <a:t>About the data</a:t>
             </a:r>
-            <a:endParaRPr lang="en-SG" sz="3600"/>
+            <a:endParaRPr lang="en-SG" sz="3600" dirty="0"/>
           </a:p>
         </p:txBody>
       </p:sp>
@@ -6965,7 +6965,7 @@
         <p:spPr>
           <a:xfrm>
             <a:off x="643467" y="1782981"/>
-            <a:ext cx="10905066" cy="4393982"/>
+            <a:ext cx="3549219" cy="4393982"/>
           </a:xfrm>
         </p:spPr>
         <p:txBody>
@@ -6982,7 +6982,7 @@
           <a:p>
             <a:pPr lvl="1"/>
             <a:r>
-              <a:rPr lang="en-US" sz="2000" dirty="0"/>
+              <a:rPr lang="en-US" sz="1600" dirty="0"/>
               <a:t>25 columns, 105542 rows</a:t>
             </a:r>
           </a:p>
@@ -6995,7 +6995,7 @@
           <a:p>
             <a:pPr lvl="1"/>
             <a:r>
-              <a:rPr lang="en-US" sz="2000" dirty="0"/>
+              <a:rPr lang="en-US" sz="1600" dirty="0"/>
               <a:t>7 columns, 1371980 rows</a:t>
             </a:r>
           </a:p>
@@ -7008,7 +7008,7 @@
           <a:p>
             <a:pPr lvl="1"/>
             <a:r>
-              <a:rPr lang="en-US" sz="2000" dirty="0"/>
+              <a:rPr lang="en-US" sz="1600" dirty="0"/>
               <a:t>5 columns, 31788324 rows</a:t>
             </a:r>
           </a:p>
@@ -7016,6 +7016,13 @@
             <a:r>
               <a:rPr lang="en-US" sz="2000" dirty="0"/>
               <a:t>Images.zip</a:t>
+            </a:r>
+          </a:p>
+          <a:p>
+            <a:pPr lvl="1"/>
+            <a:r>
+              <a:rPr lang="en-US" sz="1600" dirty="0"/>
+              <a:t>Contains all images of the products for reference</a:t>
             </a:r>
           </a:p>
         </p:txBody>
@@ -7392,7 +7399,7 @@
 </file>
 
 <file path=ppt/slides/slide4.xml><?xml version="1.0" encoding="utf-8"?>
-<p:sld xmlns:a="http://schemas.openxmlformats.org/drawingml/2006/main" xmlns:r="http://schemas.openxmlformats.org/officeDocument/2006/relationships" xmlns:p="http://schemas.openxmlformats.org/presentationml/2006/main">
+<p:sld xmlns:a="http://schemas.openxmlformats.org/drawingml/2006/main" xmlns:r="http://schemas.openxmlformats.org/officeDocument/2006/relationships" xmlns:p="http://schemas.openxmlformats.org/presentationml/2006/main" show="0">
   <p:cSld>
     <p:bg>
       <p:bgPr>
@@ -7829,98 +7836,6 @@
   <p:clrMapOvr>
     <a:masterClrMapping/>
   </p:clrMapOvr>
-  <p:timing>
-    <p:tnLst>
-      <p:par>
-        <p:cTn id="1" dur="indefinite" restart="never" nodeType="tmRoot">
-          <p:childTnLst>
-            <p:seq concurrent="1" nextAc="seek">
-              <p:cTn id="2" dur="indefinite" nodeType="mainSeq">
-                <p:childTnLst>
-                  <p:par>
-                    <p:cTn id="3" fill="hold">
-                      <p:stCondLst>
-                        <p:cond delay="indefinite"/>
-                        <p:cond evt="onBegin" delay="0">
-                          <p:tn val="2"/>
-                        </p:cond>
-                      </p:stCondLst>
-                      <p:childTnLst>
-                        <p:par>
-                          <p:cTn id="4" fill="hold">
-                            <p:stCondLst>
-                              <p:cond delay="0"/>
-                            </p:stCondLst>
-                            <p:childTnLst>
-                              <p:par>
-                                <p:cTn id="5" presetID="10" presetClass="entr" presetSubtype="0" fill="hold" grpId="0" nodeType="withEffect">
-                                  <p:stCondLst>
-                                    <p:cond delay="500"/>
-                                  </p:stCondLst>
-                                  <p:iterate type="lt">
-                                    <p:tmPct val="10000"/>
-                                  </p:iterate>
-                                  <p:childTnLst>
-                                    <p:set>
-                                      <p:cBhvr>
-                                        <p:cTn id="6" dur="1" fill="hold">
-                                          <p:stCondLst>
-                                            <p:cond delay="0"/>
-                                          </p:stCondLst>
-                                        </p:cTn>
-                                        <p:tgtEl>
-                                          <p:spTgt spid="2"/>
-                                        </p:tgtEl>
-                                        <p:attrNameLst>
-                                          <p:attrName>style.visibility</p:attrName>
-                                        </p:attrNameLst>
-                                      </p:cBhvr>
-                                      <p:to>
-                                        <p:strVal val="visible"/>
-                                      </p:to>
-                                    </p:set>
-                                    <p:animEffect transition="in" filter="fade">
-                                      <p:cBhvr>
-                                        <p:cTn id="7" dur="400"/>
-                                        <p:tgtEl>
-                                          <p:spTgt spid="2"/>
-                                        </p:tgtEl>
-                                      </p:cBhvr>
-                                    </p:animEffect>
-                                  </p:childTnLst>
-                                </p:cTn>
-                              </p:par>
-                            </p:childTnLst>
-                          </p:cTn>
-                        </p:par>
-                      </p:childTnLst>
-                    </p:cTn>
-                  </p:par>
-                </p:childTnLst>
-              </p:cTn>
-              <p:prevCondLst>
-                <p:cond evt="onPrev" delay="0">
-                  <p:tgtEl>
-                    <p:sldTgt/>
-                  </p:tgtEl>
-                </p:cond>
-              </p:prevCondLst>
-              <p:nextCondLst>
-                <p:cond evt="onNext" delay="0">
-                  <p:tgtEl>
-                    <p:sldTgt/>
-                  </p:tgtEl>
-                </p:cond>
-              </p:nextCondLst>
-            </p:seq>
-          </p:childTnLst>
-        </p:cTn>
-      </p:par>
-    </p:tnLst>
-    <p:bldLst>
-      <p:bldP spid="2" grpId="0"/>
-    </p:bldLst>
-  </p:timing>
 </p:sld>
 </file>
 
@@ -8041,10 +7956,10 @@
           <a:lstStyle/>
           <a:p>
             <a:r>
-              <a:rPr lang="en-US" sz="3600"/>
-              <a:t>Data manipulation</a:t>
+              <a:rPr lang="en-US" sz="3600" dirty="0"/>
+              <a:t>Data cleaning and manipulation</a:t>
             </a:r>
-            <a:endParaRPr lang="en-SG" sz="3600"/>
+            <a:endParaRPr lang="en-SG" sz="3600" dirty="0"/>
           </a:p>
         </p:txBody>
       </p:sp>
@@ -8077,34 +7992,41 @@
           <a:lstStyle/>
           <a:p>
             <a:r>
-              <a:rPr lang="en-US" sz="2000"/>
+              <a:rPr lang="en-US" sz="2000" dirty="0"/>
               <a:t>Change data type?</a:t>
             </a:r>
           </a:p>
           <a:p>
             <a:r>
-              <a:rPr lang="en-US" sz="2000"/>
+              <a:rPr lang="en-US" sz="2000" dirty="0"/>
               <a:t>Change all words to lowercase</a:t>
             </a:r>
           </a:p>
           <a:p>
             <a:r>
-              <a:rPr lang="en-US" sz="2000"/>
+              <a:rPr lang="en-US" sz="2000" dirty="0"/>
               <a:t>Fill in NULL</a:t>
             </a:r>
           </a:p>
           <a:p>
             <a:r>
-              <a:rPr lang="en-US" sz="2000"/>
+              <a:rPr lang="en-US" sz="2000" dirty="0"/>
               <a:t>Remove duplicates</a:t>
             </a:r>
           </a:p>
           <a:p>
+            <a:pPr lvl="1"/>
             <a:r>
-              <a:rPr lang="en-US" sz="2000"/>
+              <a:rPr lang="en-US" sz="1600" dirty="0"/>
+              <a:t>Check if the naming have any typo and not picked up from duplicated() method</a:t>
+            </a:r>
+          </a:p>
+          <a:p>
+            <a:r>
+              <a:rPr lang="en-US" sz="2000" dirty="0"/>
               <a:t>Same address = same customer?</a:t>
             </a:r>
-            <a:endParaRPr lang="en-SG" sz="2000"/>
+            <a:endParaRPr lang="en-SG" sz="2000" dirty="0"/>
           </a:p>
         </p:txBody>
       </p:sp>

--- a/reports/workflow_explanation.pptx
+++ b/reports/workflow_explanation.pptx
@@ -273,7 +273,7 @@
           <a:p>
             <a:fld id="{318C2021-D6AB-44BD-B86D-086A76A2ED36}" type="datetimeFigureOut">
               <a:rPr lang="en-SG" smtClean="0"/>
-              <a:t>25/2/2022</a:t>
+              <a:t>3/3/2022</a:t>
             </a:fld>
             <a:endParaRPr lang="en-SG"/>
           </a:p>
@@ -473,7 +473,7 @@
           <a:p>
             <a:fld id="{318C2021-D6AB-44BD-B86D-086A76A2ED36}" type="datetimeFigureOut">
               <a:rPr lang="en-SG" smtClean="0"/>
-              <a:t>25/2/2022</a:t>
+              <a:t>3/3/2022</a:t>
             </a:fld>
             <a:endParaRPr lang="en-SG"/>
           </a:p>
@@ -683,7 +683,7 @@
           <a:p>
             <a:fld id="{318C2021-D6AB-44BD-B86D-086A76A2ED36}" type="datetimeFigureOut">
               <a:rPr lang="en-SG" smtClean="0"/>
-              <a:t>25/2/2022</a:t>
+              <a:t>3/3/2022</a:t>
             </a:fld>
             <a:endParaRPr lang="en-SG"/>
           </a:p>
@@ -883,7 +883,7 @@
           <a:p>
             <a:fld id="{318C2021-D6AB-44BD-B86D-086A76A2ED36}" type="datetimeFigureOut">
               <a:rPr lang="en-SG" smtClean="0"/>
-              <a:t>25/2/2022</a:t>
+              <a:t>3/3/2022</a:t>
             </a:fld>
             <a:endParaRPr lang="en-SG"/>
           </a:p>
@@ -1159,7 +1159,7 @@
           <a:p>
             <a:fld id="{318C2021-D6AB-44BD-B86D-086A76A2ED36}" type="datetimeFigureOut">
               <a:rPr lang="en-SG" smtClean="0"/>
-              <a:t>25/2/2022</a:t>
+              <a:t>3/3/2022</a:t>
             </a:fld>
             <a:endParaRPr lang="en-SG"/>
           </a:p>
@@ -1427,7 +1427,7 @@
           <a:p>
             <a:fld id="{318C2021-D6AB-44BD-B86D-086A76A2ED36}" type="datetimeFigureOut">
               <a:rPr lang="en-SG" smtClean="0"/>
-              <a:t>25/2/2022</a:t>
+              <a:t>3/3/2022</a:t>
             </a:fld>
             <a:endParaRPr lang="en-SG"/>
           </a:p>
@@ -1842,7 +1842,7 @@
           <a:p>
             <a:fld id="{318C2021-D6AB-44BD-B86D-086A76A2ED36}" type="datetimeFigureOut">
               <a:rPr lang="en-SG" smtClean="0"/>
-              <a:t>25/2/2022</a:t>
+              <a:t>3/3/2022</a:t>
             </a:fld>
             <a:endParaRPr lang="en-SG"/>
           </a:p>
@@ -1984,7 +1984,7 @@
           <a:p>
             <a:fld id="{318C2021-D6AB-44BD-B86D-086A76A2ED36}" type="datetimeFigureOut">
               <a:rPr lang="en-SG" smtClean="0"/>
-              <a:t>25/2/2022</a:t>
+              <a:t>3/3/2022</a:t>
             </a:fld>
             <a:endParaRPr lang="en-SG"/>
           </a:p>
@@ -2097,7 +2097,7 @@
           <a:p>
             <a:fld id="{318C2021-D6AB-44BD-B86D-086A76A2ED36}" type="datetimeFigureOut">
               <a:rPr lang="en-SG" smtClean="0"/>
-              <a:t>25/2/2022</a:t>
+              <a:t>3/3/2022</a:t>
             </a:fld>
             <a:endParaRPr lang="en-SG"/>
           </a:p>
@@ -2410,7 +2410,7 @@
           <a:p>
             <a:fld id="{318C2021-D6AB-44BD-B86D-086A76A2ED36}" type="datetimeFigureOut">
               <a:rPr lang="en-SG" smtClean="0"/>
-              <a:t>25/2/2022</a:t>
+              <a:t>3/3/2022</a:t>
             </a:fld>
             <a:endParaRPr lang="en-SG"/>
           </a:p>
@@ -2699,7 +2699,7 @@
           <a:p>
             <a:fld id="{318C2021-D6AB-44BD-B86D-086A76A2ED36}" type="datetimeFigureOut">
               <a:rPr lang="en-SG" smtClean="0"/>
-              <a:t>25/2/2022</a:t>
+              <a:t>3/3/2022</a:t>
             </a:fld>
             <a:endParaRPr lang="en-SG"/>
           </a:p>
@@ -2942,7 +2942,7 @@
           <a:p>
             <a:fld id="{318C2021-D6AB-44BD-B86D-086A76A2ED36}" type="datetimeFigureOut">
               <a:rPr lang="en-SG" smtClean="0"/>
-              <a:t>25/2/2022</a:t>
+              <a:t>3/3/2022</a:t>
             </a:fld>
             <a:endParaRPr lang="en-SG"/>
           </a:p>
@@ -8005,14 +8005,35 @@
           <a:p>
             <a:r>
               <a:rPr lang="en-US" sz="2000" dirty="0"/>
-              <a:t>Fill in NULL</a:t>
+              <a:t>Fill in NULL?</a:t>
             </a:r>
           </a:p>
           <a:p>
             <a:r>
               <a:rPr lang="en-US" sz="2000" dirty="0"/>
-              <a:t>Remove duplicates</a:t>
-            </a:r>
+              <a:t>Remove duplicates (</a:t>
+            </a:r>
+            <a:r>
+              <a:rPr lang="en-US" sz="2000" b="1" dirty="0"/>
+              <a:t>not necessary anymore, checked that each </a:t>
+            </a:r>
+            <a:r>
+              <a:rPr lang="en-US" sz="2000" b="1" dirty="0" err="1"/>
+              <a:t>article_id</a:t>
+            </a:r>
+            <a:r>
+              <a:rPr lang="en-US" sz="2000" b="1" dirty="0"/>
+              <a:t> is indeed a different item although described similarly </a:t>
+            </a:r>
+            <a:r>
+              <a:rPr lang="en-US" sz="2000" b="1"/>
+              <a:t>to others</a:t>
+            </a:r>
+            <a:r>
+              <a:rPr lang="en-US" sz="2000"/>
+              <a:t>)</a:t>
+            </a:r>
+            <a:endParaRPr lang="en-US" sz="2000" dirty="0"/>
           </a:p>
           <a:p>
             <a:pPr lvl="1"/>
@@ -8022,9 +8043,22 @@
             </a:r>
           </a:p>
           <a:p>
+            <a:pPr lvl="2"/>
+            <a:r>
+              <a:rPr lang="en-US" sz="1200" dirty="0"/>
+              <a:t>Same product code/product categories but product name is slightly different?</a:t>
+            </a:r>
+          </a:p>
+          <a:p>
             <a:r>
               <a:rPr lang="en-US" sz="2000" dirty="0"/>
               <a:t>Same address = same customer?</a:t>
+            </a:r>
+          </a:p>
+          <a:p>
+            <a:r>
+              <a:rPr lang="en-US" sz="2000" dirty="0"/>
+              <a:t>Same product code = same item?</a:t>
             </a:r>
             <a:endParaRPr lang="en-SG" sz="2000" dirty="0"/>
           </a:p>
